--- a/ppt 16-9/0553.主的召呼.pptx
+++ b/ppt 16-9/0553.主的召呼.pptx
@@ -129,7 +129,7 @@
           <p:cNvPr id="2" name="标题 1">
             <a:extLst>
               <a:ext uri="{FF2B5EF4-FFF2-40B4-BE49-F238E27FC236}">
-                <a16:creationId xmlns:a16="http://schemas.microsoft.com/office/drawing/2014/main" id="{DF14E958-367F-87CA-3494-5ACECCCE122C}"/>
+                <a16:creationId xmlns:a16="http://schemas.microsoft.com/office/drawing/2014/main" id="{7ABED875-A974-8385-8731-1E18355E4147}"/>
               </a:ext>
             </a:extLst>
           </p:cNvPr>
@@ -166,7 +166,7 @@
           <p:cNvPr id="3" name="副标题 2">
             <a:extLst>
               <a:ext uri="{FF2B5EF4-FFF2-40B4-BE49-F238E27FC236}">
-                <a16:creationId xmlns:a16="http://schemas.microsoft.com/office/drawing/2014/main" id="{1182A47B-30FF-625B-8DF1-4C8F7DDEBEAE}"/>
+                <a16:creationId xmlns:a16="http://schemas.microsoft.com/office/drawing/2014/main" id="{157D3D5A-D557-9ED2-E164-9C5EE2CFF056}"/>
               </a:ext>
             </a:extLst>
           </p:cNvPr>
@@ -236,7 +236,7 @@
           <p:cNvPr id="4" name="日期占位符 3">
             <a:extLst>
               <a:ext uri="{FF2B5EF4-FFF2-40B4-BE49-F238E27FC236}">
-                <a16:creationId xmlns:a16="http://schemas.microsoft.com/office/drawing/2014/main" id="{769B37F5-F9FD-A1EB-8574-2D8E0E7B8D84}"/>
+                <a16:creationId xmlns:a16="http://schemas.microsoft.com/office/drawing/2014/main" id="{4D3660AC-FC67-2FA6-659D-53DDE643E643}"/>
               </a:ext>
             </a:extLst>
           </p:cNvPr>
@@ -252,7 +252,7 @@
           <a:bodyPr/>
           <a:lstStyle/>
           <a:p>
-            <a:fld id="{C7AD48D4-E681-4E93-907C-4EB4557D9B1B}" type="datetimeFigureOut">
+            <a:fld id="{488B143A-4378-40C0-A12B-31E6ADE8AB9F}" type="datetimeFigureOut">
               <a:rPr lang="zh-CN" altLang="en-US" smtClean="0"/>
               <a:t>2024/3/10</a:t>
             </a:fld>
@@ -265,7 +265,7 @@
           <p:cNvPr id="5" name="页脚占位符 4">
             <a:extLst>
               <a:ext uri="{FF2B5EF4-FFF2-40B4-BE49-F238E27FC236}">
-                <a16:creationId xmlns:a16="http://schemas.microsoft.com/office/drawing/2014/main" id="{728EBEE5-1E75-2260-4866-61947FF22FBD}"/>
+                <a16:creationId xmlns:a16="http://schemas.microsoft.com/office/drawing/2014/main" id="{7EA4B980-1773-364C-DDA7-68AB1B84FEEF}"/>
               </a:ext>
             </a:extLst>
           </p:cNvPr>
@@ -290,7 +290,7 @@
           <p:cNvPr id="6" name="灯片编号占位符 5">
             <a:extLst>
               <a:ext uri="{FF2B5EF4-FFF2-40B4-BE49-F238E27FC236}">
-                <a16:creationId xmlns:a16="http://schemas.microsoft.com/office/drawing/2014/main" id="{8BC50C19-C894-D851-C9BA-DBA353A1D219}"/>
+                <a16:creationId xmlns:a16="http://schemas.microsoft.com/office/drawing/2014/main" id="{BDE11A82-41CF-BFFF-FC97-005CF2D77937}"/>
               </a:ext>
             </a:extLst>
           </p:cNvPr>
@@ -306,7 +306,7 @@
           <a:bodyPr/>
           <a:lstStyle/>
           <a:p>
-            <a:fld id="{20EF9275-8417-425B-ADAA-D0F1C77D1E34}" type="slidenum">
+            <a:fld id="{ACB7D5D0-DE90-4577-9D75-BA0AABB031C1}" type="slidenum">
               <a:rPr lang="zh-CN" altLang="en-US" smtClean="0"/>
               <a:t>‹#›</a:t>
             </a:fld>
@@ -317,7 +317,7 @@
     </p:spTree>
     <p:extLst>
       <p:ext uri="{BB962C8B-B14F-4D97-AF65-F5344CB8AC3E}">
-        <p14:creationId xmlns:p14="http://schemas.microsoft.com/office/powerpoint/2010/main" val="278878794"/>
+        <p14:creationId xmlns:p14="http://schemas.microsoft.com/office/powerpoint/2010/main" val="720447301"/>
       </p:ext>
     </p:extLst>
   </p:cSld>
@@ -349,7 +349,7 @@
           <p:cNvPr id="2" name="标题 1">
             <a:extLst>
               <a:ext uri="{FF2B5EF4-FFF2-40B4-BE49-F238E27FC236}">
-                <a16:creationId xmlns:a16="http://schemas.microsoft.com/office/drawing/2014/main" id="{1EF68454-5F91-D98B-A8AC-F131092DF764}"/>
+                <a16:creationId xmlns:a16="http://schemas.microsoft.com/office/drawing/2014/main" id="{7FC1D53E-5386-CCD1-8748-675E7C9ED196}"/>
               </a:ext>
             </a:extLst>
           </p:cNvPr>
@@ -377,7 +377,7 @@
           <p:cNvPr id="3" name="竖排文字占位符 2">
             <a:extLst>
               <a:ext uri="{FF2B5EF4-FFF2-40B4-BE49-F238E27FC236}">
-                <a16:creationId xmlns:a16="http://schemas.microsoft.com/office/drawing/2014/main" id="{578EEDB4-1F35-06C6-2AD5-2494AC5EFAE9}"/>
+                <a16:creationId xmlns:a16="http://schemas.microsoft.com/office/drawing/2014/main" id="{E6D56E00-7E7C-3990-626A-8CCEC815EB23}"/>
               </a:ext>
             </a:extLst>
           </p:cNvPr>
@@ -434,7 +434,7 @@
           <p:cNvPr id="4" name="日期占位符 3">
             <a:extLst>
               <a:ext uri="{FF2B5EF4-FFF2-40B4-BE49-F238E27FC236}">
-                <a16:creationId xmlns:a16="http://schemas.microsoft.com/office/drawing/2014/main" id="{434E87ED-0992-3D74-8097-CC6CA8C0E673}"/>
+                <a16:creationId xmlns:a16="http://schemas.microsoft.com/office/drawing/2014/main" id="{D48699E6-A063-F13A-DD7F-1A5BE1F1E0A8}"/>
               </a:ext>
             </a:extLst>
           </p:cNvPr>
@@ -450,7 +450,7 @@
           <a:bodyPr/>
           <a:lstStyle/>
           <a:p>
-            <a:fld id="{C7AD48D4-E681-4E93-907C-4EB4557D9B1B}" type="datetimeFigureOut">
+            <a:fld id="{488B143A-4378-40C0-A12B-31E6ADE8AB9F}" type="datetimeFigureOut">
               <a:rPr lang="zh-CN" altLang="en-US" smtClean="0"/>
               <a:t>2024/3/10</a:t>
             </a:fld>
@@ -463,7 +463,7 @@
           <p:cNvPr id="5" name="页脚占位符 4">
             <a:extLst>
               <a:ext uri="{FF2B5EF4-FFF2-40B4-BE49-F238E27FC236}">
-                <a16:creationId xmlns:a16="http://schemas.microsoft.com/office/drawing/2014/main" id="{D54993D1-96E2-E748-FFCE-72DC483B9C5E}"/>
+                <a16:creationId xmlns:a16="http://schemas.microsoft.com/office/drawing/2014/main" id="{D98DB505-FB44-A526-DC6E-1F8BC8CC19A6}"/>
               </a:ext>
             </a:extLst>
           </p:cNvPr>
@@ -488,7 +488,7 @@
           <p:cNvPr id="6" name="灯片编号占位符 5">
             <a:extLst>
               <a:ext uri="{FF2B5EF4-FFF2-40B4-BE49-F238E27FC236}">
-                <a16:creationId xmlns:a16="http://schemas.microsoft.com/office/drawing/2014/main" id="{ECAE24FE-82ED-8BD0-E8C4-000F473106B8}"/>
+                <a16:creationId xmlns:a16="http://schemas.microsoft.com/office/drawing/2014/main" id="{284509FC-1FC7-03FE-236C-80EB561D4E61}"/>
               </a:ext>
             </a:extLst>
           </p:cNvPr>
@@ -504,7 +504,7 @@
           <a:bodyPr/>
           <a:lstStyle/>
           <a:p>
-            <a:fld id="{20EF9275-8417-425B-ADAA-D0F1C77D1E34}" type="slidenum">
+            <a:fld id="{ACB7D5D0-DE90-4577-9D75-BA0AABB031C1}" type="slidenum">
               <a:rPr lang="zh-CN" altLang="en-US" smtClean="0"/>
               <a:t>‹#›</a:t>
             </a:fld>
@@ -515,7 +515,7 @@
     </p:spTree>
     <p:extLst>
       <p:ext uri="{BB962C8B-B14F-4D97-AF65-F5344CB8AC3E}">
-        <p14:creationId xmlns:p14="http://schemas.microsoft.com/office/powerpoint/2010/main" val="331210934"/>
+        <p14:creationId xmlns:p14="http://schemas.microsoft.com/office/powerpoint/2010/main" val="2958397689"/>
       </p:ext>
     </p:extLst>
   </p:cSld>
@@ -547,7 +547,7 @@
           <p:cNvPr id="2" name="竖排标题 1">
             <a:extLst>
               <a:ext uri="{FF2B5EF4-FFF2-40B4-BE49-F238E27FC236}">
-                <a16:creationId xmlns:a16="http://schemas.microsoft.com/office/drawing/2014/main" id="{3D87E859-F03A-6D23-3A3E-46900E5DCDF9}"/>
+                <a16:creationId xmlns:a16="http://schemas.microsoft.com/office/drawing/2014/main" id="{094416FE-60F3-E268-081E-7B5F92B15B96}"/>
               </a:ext>
             </a:extLst>
           </p:cNvPr>
@@ -580,7 +580,7 @@
           <p:cNvPr id="3" name="竖排文字占位符 2">
             <a:extLst>
               <a:ext uri="{FF2B5EF4-FFF2-40B4-BE49-F238E27FC236}">
-                <a16:creationId xmlns:a16="http://schemas.microsoft.com/office/drawing/2014/main" id="{5C0CDFF2-6A36-04C4-2C28-08DD1FC34D6E}"/>
+                <a16:creationId xmlns:a16="http://schemas.microsoft.com/office/drawing/2014/main" id="{ED257658-ADD2-DF03-BC61-58409829D5D2}"/>
               </a:ext>
             </a:extLst>
           </p:cNvPr>
@@ -642,7 +642,7 @@
           <p:cNvPr id="4" name="日期占位符 3">
             <a:extLst>
               <a:ext uri="{FF2B5EF4-FFF2-40B4-BE49-F238E27FC236}">
-                <a16:creationId xmlns:a16="http://schemas.microsoft.com/office/drawing/2014/main" id="{77F0325F-815C-EED7-7AE6-51E3DA2269FB}"/>
+                <a16:creationId xmlns:a16="http://schemas.microsoft.com/office/drawing/2014/main" id="{67D3F8D3-4C7B-D1C7-144C-F3E37E55C9A0}"/>
               </a:ext>
             </a:extLst>
           </p:cNvPr>
@@ -658,7 +658,7 @@
           <a:bodyPr/>
           <a:lstStyle/>
           <a:p>
-            <a:fld id="{C7AD48D4-E681-4E93-907C-4EB4557D9B1B}" type="datetimeFigureOut">
+            <a:fld id="{488B143A-4378-40C0-A12B-31E6ADE8AB9F}" type="datetimeFigureOut">
               <a:rPr lang="zh-CN" altLang="en-US" smtClean="0"/>
               <a:t>2024/3/10</a:t>
             </a:fld>
@@ -671,7 +671,7 @@
           <p:cNvPr id="5" name="页脚占位符 4">
             <a:extLst>
               <a:ext uri="{FF2B5EF4-FFF2-40B4-BE49-F238E27FC236}">
-                <a16:creationId xmlns:a16="http://schemas.microsoft.com/office/drawing/2014/main" id="{A63B3888-2139-8082-9E38-2D66D21E390B}"/>
+                <a16:creationId xmlns:a16="http://schemas.microsoft.com/office/drawing/2014/main" id="{DE82305B-91E2-2396-6E43-8B8A10120A84}"/>
               </a:ext>
             </a:extLst>
           </p:cNvPr>
@@ -696,7 +696,7 @@
           <p:cNvPr id="6" name="灯片编号占位符 5">
             <a:extLst>
               <a:ext uri="{FF2B5EF4-FFF2-40B4-BE49-F238E27FC236}">
-                <a16:creationId xmlns:a16="http://schemas.microsoft.com/office/drawing/2014/main" id="{9A5D5C09-F7AA-416A-C623-618E7F7E94A9}"/>
+                <a16:creationId xmlns:a16="http://schemas.microsoft.com/office/drawing/2014/main" id="{3AAF96B6-1539-B16D-ADB7-55BE7EBAF3D2}"/>
               </a:ext>
             </a:extLst>
           </p:cNvPr>
@@ -712,7 +712,7 @@
           <a:bodyPr/>
           <a:lstStyle/>
           <a:p>
-            <a:fld id="{20EF9275-8417-425B-ADAA-D0F1C77D1E34}" type="slidenum">
+            <a:fld id="{ACB7D5D0-DE90-4577-9D75-BA0AABB031C1}" type="slidenum">
               <a:rPr lang="zh-CN" altLang="en-US" smtClean="0"/>
               <a:t>‹#›</a:t>
             </a:fld>
@@ -723,7 +723,7 @@
     </p:spTree>
     <p:extLst>
       <p:ext uri="{BB962C8B-B14F-4D97-AF65-F5344CB8AC3E}">
-        <p14:creationId xmlns:p14="http://schemas.microsoft.com/office/powerpoint/2010/main" val="882074641"/>
+        <p14:creationId xmlns:p14="http://schemas.microsoft.com/office/powerpoint/2010/main" val="3876718308"/>
       </p:ext>
     </p:extLst>
   </p:cSld>
@@ -755,7 +755,7 @@
           <p:cNvPr id="2" name="标题 1">
             <a:extLst>
               <a:ext uri="{FF2B5EF4-FFF2-40B4-BE49-F238E27FC236}">
-                <a16:creationId xmlns:a16="http://schemas.microsoft.com/office/drawing/2014/main" id="{3FB7972C-205C-7156-3720-565C9430BC3F}"/>
+                <a16:creationId xmlns:a16="http://schemas.microsoft.com/office/drawing/2014/main" id="{DBA5ABD3-5F63-C9B8-47EB-A771D2FAEBD6}"/>
               </a:ext>
             </a:extLst>
           </p:cNvPr>
@@ -783,7 +783,7 @@
           <p:cNvPr id="3" name="内容占位符 2">
             <a:extLst>
               <a:ext uri="{FF2B5EF4-FFF2-40B4-BE49-F238E27FC236}">
-                <a16:creationId xmlns:a16="http://schemas.microsoft.com/office/drawing/2014/main" id="{544F5C48-E2AF-1168-CAEC-11FA9D113842}"/>
+                <a16:creationId xmlns:a16="http://schemas.microsoft.com/office/drawing/2014/main" id="{872538EA-7208-EF19-502D-F6B2E09D1EAB}"/>
               </a:ext>
             </a:extLst>
           </p:cNvPr>
@@ -840,7 +840,7 @@
           <p:cNvPr id="4" name="日期占位符 3">
             <a:extLst>
               <a:ext uri="{FF2B5EF4-FFF2-40B4-BE49-F238E27FC236}">
-                <a16:creationId xmlns:a16="http://schemas.microsoft.com/office/drawing/2014/main" id="{DC43FD53-E8DB-5BE5-F56E-FBDE8CD4423B}"/>
+                <a16:creationId xmlns:a16="http://schemas.microsoft.com/office/drawing/2014/main" id="{DB932F8C-9D7B-13FD-BB9F-CAB6A117ACAD}"/>
               </a:ext>
             </a:extLst>
           </p:cNvPr>
@@ -856,7 +856,7 @@
           <a:bodyPr/>
           <a:lstStyle/>
           <a:p>
-            <a:fld id="{C7AD48D4-E681-4E93-907C-4EB4557D9B1B}" type="datetimeFigureOut">
+            <a:fld id="{488B143A-4378-40C0-A12B-31E6ADE8AB9F}" type="datetimeFigureOut">
               <a:rPr lang="zh-CN" altLang="en-US" smtClean="0"/>
               <a:t>2024/3/10</a:t>
             </a:fld>
@@ -869,7 +869,7 @@
           <p:cNvPr id="5" name="页脚占位符 4">
             <a:extLst>
               <a:ext uri="{FF2B5EF4-FFF2-40B4-BE49-F238E27FC236}">
-                <a16:creationId xmlns:a16="http://schemas.microsoft.com/office/drawing/2014/main" id="{9424A1F3-ADCC-8FA6-D35A-66D18F8C41D4}"/>
+                <a16:creationId xmlns:a16="http://schemas.microsoft.com/office/drawing/2014/main" id="{D0A887B0-DE8C-EEFA-9100-903423E33000}"/>
               </a:ext>
             </a:extLst>
           </p:cNvPr>
@@ -894,7 +894,7 @@
           <p:cNvPr id="6" name="灯片编号占位符 5">
             <a:extLst>
               <a:ext uri="{FF2B5EF4-FFF2-40B4-BE49-F238E27FC236}">
-                <a16:creationId xmlns:a16="http://schemas.microsoft.com/office/drawing/2014/main" id="{AE44923C-6980-19E0-E83A-B6C619EFD6E3}"/>
+                <a16:creationId xmlns:a16="http://schemas.microsoft.com/office/drawing/2014/main" id="{8A2C38AB-D56F-FD30-81B2-D09851FE58C7}"/>
               </a:ext>
             </a:extLst>
           </p:cNvPr>
@@ -910,7 +910,7 @@
           <a:bodyPr/>
           <a:lstStyle/>
           <a:p>
-            <a:fld id="{20EF9275-8417-425B-ADAA-D0F1C77D1E34}" type="slidenum">
+            <a:fld id="{ACB7D5D0-DE90-4577-9D75-BA0AABB031C1}" type="slidenum">
               <a:rPr lang="zh-CN" altLang="en-US" smtClean="0"/>
               <a:t>‹#›</a:t>
             </a:fld>
@@ -921,7 +921,7 @@
     </p:spTree>
     <p:extLst>
       <p:ext uri="{BB962C8B-B14F-4D97-AF65-F5344CB8AC3E}">
-        <p14:creationId xmlns:p14="http://schemas.microsoft.com/office/powerpoint/2010/main" val="601954888"/>
+        <p14:creationId xmlns:p14="http://schemas.microsoft.com/office/powerpoint/2010/main" val="1790771882"/>
       </p:ext>
     </p:extLst>
   </p:cSld>
@@ -953,7 +953,7 @@
           <p:cNvPr id="2" name="标题 1">
             <a:extLst>
               <a:ext uri="{FF2B5EF4-FFF2-40B4-BE49-F238E27FC236}">
-                <a16:creationId xmlns:a16="http://schemas.microsoft.com/office/drawing/2014/main" id="{F1944965-6188-A373-CB32-F5CBAA46BD95}"/>
+                <a16:creationId xmlns:a16="http://schemas.microsoft.com/office/drawing/2014/main" id="{6DBE5966-5C71-CC50-589E-489CE713955A}"/>
               </a:ext>
             </a:extLst>
           </p:cNvPr>
@@ -990,7 +990,7 @@
           <p:cNvPr id="3" name="文本占位符 2">
             <a:extLst>
               <a:ext uri="{FF2B5EF4-FFF2-40B4-BE49-F238E27FC236}">
-                <a16:creationId xmlns:a16="http://schemas.microsoft.com/office/drawing/2014/main" id="{5754A2C4-5CAB-F545-47F9-CE22306D833E}"/>
+                <a16:creationId xmlns:a16="http://schemas.microsoft.com/office/drawing/2014/main" id="{F1C03ACF-0DE9-992B-E875-B71E602B0FDF}"/>
               </a:ext>
             </a:extLst>
           </p:cNvPr>
@@ -1115,7 +1115,7 @@
           <p:cNvPr id="4" name="日期占位符 3">
             <a:extLst>
               <a:ext uri="{FF2B5EF4-FFF2-40B4-BE49-F238E27FC236}">
-                <a16:creationId xmlns:a16="http://schemas.microsoft.com/office/drawing/2014/main" id="{93CC7839-90C9-6F8B-0C8A-7A546452BE39}"/>
+                <a16:creationId xmlns:a16="http://schemas.microsoft.com/office/drawing/2014/main" id="{F4EA2AAD-3F37-662F-39EF-90800DA329C6}"/>
               </a:ext>
             </a:extLst>
           </p:cNvPr>
@@ -1131,7 +1131,7 @@
           <a:bodyPr/>
           <a:lstStyle/>
           <a:p>
-            <a:fld id="{C7AD48D4-E681-4E93-907C-4EB4557D9B1B}" type="datetimeFigureOut">
+            <a:fld id="{488B143A-4378-40C0-A12B-31E6ADE8AB9F}" type="datetimeFigureOut">
               <a:rPr lang="zh-CN" altLang="en-US" smtClean="0"/>
               <a:t>2024/3/10</a:t>
             </a:fld>
@@ -1144,7 +1144,7 @@
           <p:cNvPr id="5" name="页脚占位符 4">
             <a:extLst>
               <a:ext uri="{FF2B5EF4-FFF2-40B4-BE49-F238E27FC236}">
-                <a16:creationId xmlns:a16="http://schemas.microsoft.com/office/drawing/2014/main" id="{0AA724FD-ACA0-20A8-5B22-5ABCCF5C86DA}"/>
+                <a16:creationId xmlns:a16="http://schemas.microsoft.com/office/drawing/2014/main" id="{AD87A50F-A2AB-C9DD-654C-6BF54E32F3C0}"/>
               </a:ext>
             </a:extLst>
           </p:cNvPr>
@@ -1169,7 +1169,7 @@
           <p:cNvPr id="6" name="灯片编号占位符 5">
             <a:extLst>
               <a:ext uri="{FF2B5EF4-FFF2-40B4-BE49-F238E27FC236}">
-                <a16:creationId xmlns:a16="http://schemas.microsoft.com/office/drawing/2014/main" id="{0F01911D-676E-F838-0E70-0541D50E4AE3}"/>
+                <a16:creationId xmlns:a16="http://schemas.microsoft.com/office/drawing/2014/main" id="{F77109FD-1650-7727-0576-AA161CD4C048}"/>
               </a:ext>
             </a:extLst>
           </p:cNvPr>
@@ -1185,7 +1185,7 @@
           <a:bodyPr/>
           <a:lstStyle/>
           <a:p>
-            <a:fld id="{20EF9275-8417-425B-ADAA-D0F1C77D1E34}" type="slidenum">
+            <a:fld id="{ACB7D5D0-DE90-4577-9D75-BA0AABB031C1}" type="slidenum">
               <a:rPr lang="zh-CN" altLang="en-US" smtClean="0"/>
               <a:t>‹#›</a:t>
             </a:fld>
@@ -1196,7 +1196,7 @@
     </p:spTree>
     <p:extLst>
       <p:ext uri="{BB962C8B-B14F-4D97-AF65-F5344CB8AC3E}">
-        <p14:creationId xmlns:p14="http://schemas.microsoft.com/office/powerpoint/2010/main" val="904972346"/>
+        <p14:creationId xmlns:p14="http://schemas.microsoft.com/office/powerpoint/2010/main" val="3779720580"/>
       </p:ext>
     </p:extLst>
   </p:cSld>
@@ -1228,7 +1228,7 @@
           <p:cNvPr id="2" name="标题 1">
             <a:extLst>
               <a:ext uri="{FF2B5EF4-FFF2-40B4-BE49-F238E27FC236}">
-                <a16:creationId xmlns:a16="http://schemas.microsoft.com/office/drawing/2014/main" id="{591B17F9-794B-B1E1-590A-EED0FEF73CC4}"/>
+                <a16:creationId xmlns:a16="http://schemas.microsoft.com/office/drawing/2014/main" id="{37CB4F82-A7C1-3F23-D420-EED6AE041322}"/>
               </a:ext>
             </a:extLst>
           </p:cNvPr>
@@ -1256,7 +1256,7 @@
           <p:cNvPr id="3" name="内容占位符 2">
             <a:extLst>
               <a:ext uri="{FF2B5EF4-FFF2-40B4-BE49-F238E27FC236}">
-                <a16:creationId xmlns:a16="http://schemas.microsoft.com/office/drawing/2014/main" id="{23BBC3D0-B406-4215-F6EC-F2C5B0E36EAA}"/>
+                <a16:creationId xmlns:a16="http://schemas.microsoft.com/office/drawing/2014/main" id="{729D3F7F-804D-9FBC-B41C-B8C6FDD2D0DB}"/>
               </a:ext>
             </a:extLst>
           </p:cNvPr>
@@ -1318,7 +1318,7 @@
           <p:cNvPr id="4" name="内容占位符 3">
             <a:extLst>
               <a:ext uri="{FF2B5EF4-FFF2-40B4-BE49-F238E27FC236}">
-                <a16:creationId xmlns:a16="http://schemas.microsoft.com/office/drawing/2014/main" id="{326F7063-4084-E8D7-C89D-474947DEA977}"/>
+                <a16:creationId xmlns:a16="http://schemas.microsoft.com/office/drawing/2014/main" id="{E5C955AD-6953-37F2-DD89-BF2EB00BF0A5}"/>
               </a:ext>
             </a:extLst>
           </p:cNvPr>
@@ -1380,7 +1380,7 @@
           <p:cNvPr id="5" name="日期占位符 4">
             <a:extLst>
               <a:ext uri="{FF2B5EF4-FFF2-40B4-BE49-F238E27FC236}">
-                <a16:creationId xmlns:a16="http://schemas.microsoft.com/office/drawing/2014/main" id="{36C57D83-D298-90CD-8EEF-060BB5708AEF}"/>
+                <a16:creationId xmlns:a16="http://schemas.microsoft.com/office/drawing/2014/main" id="{140349DF-320D-D9C9-4FEE-B6D351AB98B0}"/>
               </a:ext>
             </a:extLst>
           </p:cNvPr>
@@ -1396,7 +1396,7 @@
           <a:bodyPr/>
           <a:lstStyle/>
           <a:p>
-            <a:fld id="{C7AD48D4-E681-4E93-907C-4EB4557D9B1B}" type="datetimeFigureOut">
+            <a:fld id="{488B143A-4378-40C0-A12B-31E6ADE8AB9F}" type="datetimeFigureOut">
               <a:rPr lang="zh-CN" altLang="en-US" smtClean="0"/>
               <a:t>2024/3/10</a:t>
             </a:fld>
@@ -1409,7 +1409,7 @@
           <p:cNvPr id="6" name="页脚占位符 5">
             <a:extLst>
               <a:ext uri="{FF2B5EF4-FFF2-40B4-BE49-F238E27FC236}">
-                <a16:creationId xmlns:a16="http://schemas.microsoft.com/office/drawing/2014/main" id="{1E9FC8A7-D00B-383E-3ACF-5B68D85B5142}"/>
+                <a16:creationId xmlns:a16="http://schemas.microsoft.com/office/drawing/2014/main" id="{10087BA6-5F86-7099-668A-2D744E46FC2D}"/>
               </a:ext>
             </a:extLst>
           </p:cNvPr>
@@ -1434,7 +1434,7 @@
           <p:cNvPr id="7" name="灯片编号占位符 6">
             <a:extLst>
               <a:ext uri="{FF2B5EF4-FFF2-40B4-BE49-F238E27FC236}">
-                <a16:creationId xmlns:a16="http://schemas.microsoft.com/office/drawing/2014/main" id="{BCA66903-6A92-C646-989B-B5B77998794C}"/>
+                <a16:creationId xmlns:a16="http://schemas.microsoft.com/office/drawing/2014/main" id="{801D0C6C-0CDB-CD7B-380B-34C02F7F1852}"/>
               </a:ext>
             </a:extLst>
           </p:cNvPr>
@@ -1450,7 +1450,7 @@
           <a:bodyPr/>
           <a:lstStyle/>
           <a:p>
-            <a:fld id="{20EF9275-8417-425B-ADAA-D0F1C77D1E34}" type="slidenum">
+            <a:fld id="{ACB7D5D0-DE90-4577-9D75-BA0AABB031C1}" type="slidenum">
               <a:rPr lang="zh-CN" altLang="en-US" smtClean="0"/>
               <a:t>‹#›</a:t>
             </a:fld>
@@ -1461,7 +1461,7 @@
     </p:spTree>
     <p:extLst>
       <p:ext uri="{BB962C8B-B14F-4D97-AF65-F5344CB8AC3E}">
-        <p14:creationId xmlns:p14="http://schemas.microsoft.com/office/powerpoint/2010/main" val="3859793856"/>
+        <p14:creationId xmlns:p14="http://schemas.microsoft.com/office/powerpoint/2010/main" val="211827781"/>
       </p:ext>
     </p:extLst>
   </p:cSld>
@@ -1493,7 +1493,7 @@
           <p:cNvPr id="2" name="标题 1">
             <a:extLst>
               <a:ext uri="{FF2B5EF4-FFF2-40B4-BE49-F238E27FC236}">
-                <a16:creationId xmlns:a16="http://schemas.microsoft.com/office/drawing/2014/main" id="{ECCC50A8-67CE-A903-5016-A5B769BFF522}"/>
+                <a16:creationId xmlns:a16="http://schemas.microsoft.com/office/drawing/2014/main" id="{932BE1B9-9F34-3B55-FE2F-E8B69354A1F7}"/>
               </a:ext>
             </a:extLst>
           </p:cNvPr>
@@ -1526,7 +1526,7 @@
           <p:cNvPr id="3" name="文本占位符 2">
             <a:extLst>
               <a:ext uri="{FF2B5EF4-FFF2-40B4-BE49-F238E27FC236}">
-                <a16:creationId xmlns:a16="http://schemas.microsoft.com/office/drawing/2014/main" id="{D3FE9D0B-6E9D-69D0-CA5B-9AD8204049E8}"/>
+                <a16:creationId xmlns:a16="http://schemas.microsoft.com/office/drawing/2014/main" id="{655ECDB9-EF5E-48FD-E72A-452BD30F4912}"/>
               </a:ext>
             </a:extLst>
           </p:cNvPr>
@@ -1597,7 +1597,7 @@
           <p:cNvPr id="4" name="内容占位符 3">
             <a:extLst>
               <a:ext uri="{FF2B5EF4-FFF2-40B4-BE49-F238E27FC236}">
-                <a16:creationId xmlns:a16="http://schemas.microsoft.com/office/drawing/2014/main" id="{6EB55611-DB81-F3F6-DDB6-D81121144DAE}"/>
+                <a16:creationId xmlns:a16="http://schemas.microsoft.com/office/drawing/2014/main" id="{68C78CA9-FCF2-00D0-6452-99A139981723}"/>
               </a:ext>
             </a:extLst>
           </p:cNvPr>
@@ -1659,7 +1659,7 @@
           <p:cNvPr id="5" name="文本占位符 4">
             <a:extLst>
               <a:ext uri="{FF2B5EF4-FFF2-40B4-BE49-F238E27FC236}">
-                <a16:creationId xmlns:a16="http://schemas.microsoft.com/office/drawing/2014/main" id="{A2E61C2E-D9D3-8E81-4D42-DEE0D133DB62}"/>
+                <a16:creationId xmlns:a16="http://schemas.microsoft.com/office/drawing/2014/main" id="{3B8B9CA7-1B09-40E8-5CC6-0EDDFF077D11}"/>
               </a:ext>
             </a:extLst>
           </p:cNvPr>
@@ -1730,7 +1730,7 @@
           <p:cNvPr id="6" name="内容占位符 5">
             <a:extLst>
               <a:ext uri="{FF2B5EF4-FFF2-40B4-BE49-F238E27FC236}">
-                <a16:creationId xmlns:a16="http://schemas.microsoft.com/office/drawing/2014/main" id="{CBFA2BC9-AD9D-D053-8FB7-234A78EC5E86}"/>
+                <a16:creationId xmlns:a16="http://schemas.microsoft.com/office/drawing/2014/main" id="{15FDC612-C6FB-877B-1952-B2A5A111B14D}"/>
               </a:ext>
             </a:extLst>
           </p:cNvPr>
@@ -1792,7 +1792,7 @@
           <p:cNvPr id="7" name="日期占位符 6">
             <a:extLst>
               <a:ext uri="{FF2B5EF4-FFF2-40B4-BE49-F238E27FC236}">
-                <a16:creationId xmlns:a16="http://schemas.microsoft.com/office/drawing/2014/main" id="{DC999AA4-9435-CB6F-6FEE-D5286A9487F8}"/>
+                <a16:creationId xmlns:a16="http://schemas.microsoft.com/office/drawing/2014/main" id="{6A242B4D-C1DD-4C94-2A3E-D2F296A1E9A3}"/>
               </a:ext>
             </a:extLst>
           </p:cNvPr>
@@ -1808,7 +1808,7 @@
           <a:bodyPr/>
           <a:lstStyle/>
           <a:p>
-            <a:fld id="{C7AD48D4-E681-4E93-907C-4EB4557D9B1B}" type="datetimeFigureOut">
+            <a:fld id="{488B143A-4378-40C0-A12B-31E6ADE8AB9F}" type="datetimeFigureOut">
               <a:rPr lang="zh-CN" altLang="en-US" smtClean="0"/>
               <a:t>2024/3/10</a:t>
             </a:fld>
@@ -1821,7 +1821,7 @@
           <p:cNvPr id="8" name="页脚占位符 7">
             <a:extLst>
               <a:ext uri="{FF2B5EF4-FFF2-40B4-BE49-F238E27FC236}">
-                <a16:creationId xmlns:a16="http://schemas.microsoft.com/office/drawing/2014/main" id="{1D12E453-6A5D-81F1-E3B7-EA1B1FD8328C}"/>
+                <a16:creationId xmlns:a16="http://schemas.microsoft.com/office/drawing/2014/main" id="{741E63A9-7736-4E3A-5271-5EB15C5F6950}"/>
               </a:ext>
             </a:extLst>
           </p:cNvPr>
@@ -1846,7 +1846,7 @@
           <p:cNvPr id="9" name="灯片编号占位符 8">
             <a:extLst>
               <a:ext uri="{FF2B5EF4-FFF2-40B4-BE49-F238E27FC236}">
-                <a16:creationId xmlns:a16="http://schemas.microsoft.com/office/drawing/2014/main" id="{B5760196-7572-1414-F4C7-1461DDED50A7}"/>
+                <a16:creationId xmlns:a16="http://schemas.microsoft.com/office/drawing/2014/main" id="{3E247362-FA8B-9F6A-4B35-A63CC85758EA}"/>
               </a:ext>
             </a:extLst>
           </p:cNvPr>
@@ -1862,7 +1862,7 @@
           <a:bodyPr/>
           <a:lstStyle/>
           <a:p>
-            <a:fld id="{20EF9275-8417-425B-ADAA-D0F1C77D1E34}" type="slidenum">
+            <a:fld id="{ACB7D5D0-DE90-4577-9D75-BA0AABB031C1}" type="slidenum">
               <a:rPr lang="zh-CN" altLang="en-US" smtClean="0"/>
               <a:t>‹#›</a:t>
             </a:fld>
@@ -1873,7 +1873,7 @@
     </p:spTree>
     <p:extLst>
       <p:ext uri="{BB962C8B-B14F-4D97-AF65-F5344CB8AC3E}">
-        <p14:creationId xmlns:p14="http://schemas.microsoft.com/office/powerpoint/2010/main" val="1245366309"/>
+        <p14:creationId xmlns:p14="http://schemas.microsoft.com/office/powerpoint/2010/main" val="2037094883"/>
       </p:ext>
     </p:extLst>
   </p:cSld>
@@ -1905,7 +1905,7 @@
           <p:cNvPr id="2" name="标题 1">
             <a:extLst>
               <a:ext uri="{FF2B5EF4-FFF2-40B4-BE49-F238E27FC236}">
-                <a16:creationId xmlns:a16="http://schemas.microsoft.com/office/drawing/2014/main" id="{AEB4B238-0E67-7FDB-98C8-0E19D1712070}"/>
+                <a16:creationId xmlns:a16="http://schemas.microsoft.com/office/drawing/2014/main" id="{DB09B1A6-A837-46ED-911F-58F48BBBFF9B}"/>
               </a:ext>
             </a:extLst>
           </p:cNvPr>
@@ -1933,7 +1933,7 @@
           <p:cNvPr id="3" name="日期占位符 2">
             <a:extLst>
               <a:ext uri="{FF2B5EF4-FFF2-40B4-BE49-F238E27FC236}">
-                <a16:creationId xmlns:a16="http://schemas.microsoft.com/office/drawing/2014/main" id="{0D8077E2-A18A-6BB2-09D9-A727D01A581F}"/>
+                <a16:creationId xmlns:a16="http://schemas.microsoft.com/office/drawing/2014/main" id="{8B77B0FC-1295-ACCC-F360-8746D3565B2D}"/>
               </a:ext>
             </a:extLst>
           </p:cNvPr>
@@ -1949,7 +1949,7 @@
           <a:bodyPr/>
           <a:lstStyle/>
           <a:p>
-            <a:fld id="{C7AD48D4-E681-4E93-907C-4EB4557D9B1B}" type="datetimeFigureOut">
+            <a:fld id="{488B143A-4378-40C0-A12B-31E6ADE8AB9F}" type="datetimeFigureOut">
               <a:rPr lang="zh-CN" altLang="en-US" smtClean="0"/>
               <a:t>2024/3/10</a:t>
             </a:fld>
@@ -1962,7 +1962,7 @@
           <p:cNvPr id="4" name="页脚占位符 3">
             <a:extLst>
               <a:ext uri="{FF2B5EF4-FFF2-40B4-BE49-F238E27FC236}">
-                <a16:creationId xmlns:a16="http://schemas.microsoft.com/office/drawing/2014/main" id="{9215C9F2-9D46-F909-B644-FCE78CA64761}"/>
+                <a16:creationId xmlns:a16="http://schemas.microsoft.com/office/drawing/2014/main" id="{43C967C7-A67E-1745-42DE-9950028C74AE}"/>
               </a:ext>
             </a:extLst>
           </p:cNvPr>
@@ -1987,7 +1987,7 @@
           <p:cNvPr id="5" name="灯片编号占位符 4">
             <a:extLst>
               <a:ext uri="{FF2B5EF4-FFF2-40B4-BE49-F238E27FC236}">
-                <a16:creationId xmlns:a16="http://schemas.microsoft.com/office/drawing/2014/main" id="{01CFCDE8-E285-BDED-6BD0-F017C50B90C9}"/>
+                <a16:creationId xmlns:a16="http://schemas.microsoft.com/office/drawing/2014/main" id="{632667E8-EDF6-2C77-0DDC-61591732D660}"/>
               </a:ext>
             </a:extLst>
           </p:cNvPr>
@@ -2003,7 +2003,7 @@
           <a:bodyPr/>
           <a:lstStyle/>
           <a:p>
-            <a:fld id="{20EF9275-8417-425B-ADAA-D0F1C77D1E34}" type="slidenum">
+            <a:fld id="{ACB7D5D0-DE90-4577-9D75-BA0AABB031C1}" type="slidenum">
               <a:rPr lang="zh-CN" altLang="en-US" smtClean="0"/>
               <a:t>‹#›</a:t>
             </a:fld>
@@ -2014,7 +2014,7 @@
     </p:spTree>
     <p:extLst>
       <p:ext uri="{BB962C8B-B14F-4D97-AF65-F5344CB8AC3E}">
-        <p14:creationId xmlns:p14="http://schemas.microsoft.com/office/powerpoint/2010/main" val="2027401239"/>
+        <p14:creationId xmlns:p14="http://schemas.microsoft.com/office/powerpoint/2010/main" val="1729505795"/>
       </p:ext>
     </p:extLst>
   </p:cSld>
@@ -2046,7 +2046,7 @@
           <p:cNvPr id="2" name="日期占位符 1">
             <a:extLst>
               <a:ext uri="{FF2B5EF4-FFF2-40B4-BE49-F238E27FC236}">
-                <a16:creationId xmlns:a16="http://schemas.microsoft.com/office/drawing/2014/main" id="{A107D9F6-6DFF-C3D8-0B4A-3D30DA75B588}"/>
+                <a16:creationId xmlns:a16="http://schemas.microsoft.com/office/drawing/2014/main" id="{B03E5753-070A-389B-7692-A79DFD11E841}"/>
               </a:ext>
             </a:extLst>
           </p:cNvPr>
@@ -2062,7 +2062,7 @@
           <a:bodyPr/>
           <a:lstStyle/>
           <a:p>
-            <a:fld id="{C7AD48D4-E681-4E93-907C-4EB4557D9B1B}" type="datetimeFigureOut">
+            <a:fld id="{488B143A-4378-40C0-A12B-31E6ADE8AB9F}" type="datetimeFigureOut">
               <a:rPr lang="zh-CN" altLang="en-US" smtClean="0"/>
               <a:t>2024/3/10</a:t>
             </a:fld>
@@ -2075,7 +2075,7 @@
           <p:cNvPr id="3" name="页脚占位符 2">
             <a:extLst>
               <a:ext uri="{FF2B5EF4-FFF2-40B4-BE49-F238E27FC236}">
-                <a16:creationId xmlns:a16="http://schemas.microsoft.com/office/drawing/2014/main" id="{492973EB-EE79-867E-CE15-6947E4BB7E2B}"/>
+                <a16:creationId xmlns:a16="http://schemas.microsoft.com/office/drawing/2014/main" id="{41E67395-5675-4F33-346C-04E6B2A1FFEF}"/>
               </a:ext>
             </a:extLst>
           </p:cNvPr>
@@ -2100,7 +2100,7 @@
           <p:cNvPr id="4" name="灯片编号占位符 3">
             <a:extLst>
               <a:ext uri="{FF2B5EF4-FFF2-40B4-BE49-F238E27FC236}">
-                <a16:creationId xmlns:a16="http://schemas.microsoft.com/office/drawing/2014/main" id="{A0DE09B2-79A4-8FBD-D902-DEEB93153BAD}"/>
+                <a16:creationId xmlns:a16="http://schemas.microsoft.com/office/drawing/2014/main" id="{94E16169-78E8-543C-9C16-6B7001F3325C}"/>
               </a:ext>
             </a:extLst>
           </p:cNvPr>
@@ -2116,7 +2116,7 @@
           <a:bodyPr/>
           <a:lstStyle/>
           <a:p>
-            <a:fld id="{20EF9275-8417-425B-ADAA-D0F1C77D1E34}" type="slidenum">
+            <a:fld id="{ACB7D5D0-DE90-4577-9D75-BA0AABB031C1}" type="slidenum">
               <a:rPr lang="zh-CN" altLang="en-US" smtClean="0"/>
               <a:t>‹#›</a:t>
             </a:fld>
@@ -2127,7 +2127,7 @@
     </p:spTree>
     <p:extLst>
       <p:ext uri="{BB962C8B-B14F-4D97-AF65-F5344CB8AC3E}">
-        <p14:creationId xmlns:p14="http://schemas.microsoft.com/office/powerpoint/2010/main" val="4141169497"/>
+        <p14:creationId xmlns:p14="http://schemas.microsoft.com/office/powerpoint/2010/main" val="3659290198"/>
       </p:ext>
     </p:extLst>
   </p:cSld>
@@ -2159,7 +2159,7 @@
           <p:cNvPr id="2" name="标题 1">
             <a:extLst>
               <a:ext uri="{FF2B5EF4-FFF2-40B4-BE49-F238E27FC236}">
-                <a16:creationId xmlns:a16="http://schemas.microsoft.com/office/drawing/2014/main" id="{50B0B540-64D3-3635-B20D-F831C351B2A0}"/>
+                <a16:creationId xmlns:a16="http://schemas.microsoft.com/office/drawing/2014/main" id="{07776ED1-BFF1-979A-3972-9AEEE3A335BA}"/>
               </a:ext>
             </a:extLst>
           </p:cNvPr>
@@ -2196,7 +2196,7 @@
           <p:cNvPr id="3" name="内容占位符 2">
             <a:extLst>
               <a:ext uri="{FF2B5EF4-FFF2-40B4-BE49-F238E27FC236}">
-                <a16:creationId xmlns:a16="http://schemas.microsoft.com/office/drawing/2014/main" id="{ADEA2EB9-724F-21DD-B2C9-0A0B3B9BCD57}"/>
+                <a16:creationId xmlns:a16="http://schemas.microsoft.com/office/drawing/2014/main" id="{6152B4C7-B7C4-9C39-2025-3DE29F385E1F}"/>
               </a:ext>
             </a:extLst>
           </p:cNvPr>
@@ -2286,7 +2286,7 @@
           <p:cNvPr id="4" name="文本占位符 3">
             <a:extLst>
               <a:ext uri="{FF2B5EF4-FFF2-40B4-BE49-F238E27FC236}">
-                <a16:creationId xmlns:a16="http://schemas.microsoft.com/office/drawing/2014/main" id="{4456757A-54FF-53F0-42AE-C897EAC72F9D}"/>
+                <a16:creationId xmlns:a16="http://schemas.microsoft.com/office/drawing/2014/main" id="{25F917E2-D88B-BFC1-B14C-8E8CBC8F8271}"/>
               </a:ext>
             </a:extLst>
           </p:cNvPr>
@@ -2357,7 +2357,7 @@
           <p:cNvPr id="5" name="日期占位符 4">
             <a:extLst>
               <a:ext uri="{FF2B5EF4-FFF2-40B4-BE49-F238E27FC236}">
-                <a16:creationId xmlns:a16="http://schemas.microsoft.com/office/drawing/2014/main" id="{47A4CC79-EAEC-2F0A-5E8A-0219684CE8DC}"/>
+                <a16:creationId xmlns:a16="http://schemas.microsoft.com/office/drawing/2014/main" id="{F0413926-B80A-D0D4-9DDF-6DE95D0B78CB}"/>
               </a:ext>
             </a:extLst>
           </p:cNvPr>
@@ -2373,7 +2373,7 @@
           <a:bodyPr/>
           <a:lstStyle/>
           <a:p>
-            <a:fld id="{C7AD48D4-E681-4E93-907C-4EB4557D9B1B}" type="datetimeFigureOut">
+            <a:fld id="{488B143A-4378-40C0-A12B-31E6ADE8AB9F}" type="datetimeFigureOut">
               <a:rPr lang="zh-CN" altLang="en-US" smtClean="0"/>
               <a:t>2024/3/10</a:t>
             </a:fld>
@@ -2386,7 +2386,7 @@
           <p:cNvPr id="6" name="页脚占位符 5">
             <a:extLst>
               <a:ext uri="{FF2B5EF4-FFF2-40B4-BE49-F238E27FC236}">
-                <a16:creationId xmlns:a16="http://schemas.microsoft.com/office/drawing/2014/main" id="{62471403-2248-E774-DF43-05F196387598}"/>
+                <a16:creationId xmlns:a16="http://schemas.microsoft.com/office/drawing/2014/main" id="{07F197BB-C4C1-F0A7-9BB3-AF65BA624FC1}"/>
               </a:ext>
             </a:extLst>
           </p:cNvPr>
@@ -2411,7 +2411,7 @@
           <p:cNvPr id="7" name="灯片编号占位符 6">
             <a:extLst>
               <a:ext uri="{FF2B5EF4-FFF2-40B4-BE49-F238E27FC236}">
-                <a16:creationId xmlns:a16="http://schemas.microsoft.com/office/drawing/2014/main" id="{1ED239DF-46F0-1AA2-6F95-D897858C1EA9}"/>
+                <a16:creationId xmlns:a16="http://schemas.microsoft.com/office/drawing/2014/main" id="{02DDA840-FBED-1139-291A-09F021643788}"/>
               </a:ext>
             </a:extLst>
           </p:cNvPr>
@@ -2427,7 +2427,7 @@
           <a:bodyPr/>
           <a:lstStyle/>
           <a:p>
-            <a:fld id="{20EF9275-8417-425B-ADAA-D0F1C77D1E34}" type="slidenum">
+            <a:fld id="{ACB7D5D0-DE90-4577-9D75-BA0AABB031C1}" type="slidenum">
               <a:rPr lang="zh-CN" altLang="en-US" smtClean="0"/>
               <a:t>‹#›</a:t>
             </a:fld>
@@ -2438,7 +2438,7 @@
     </p:spTree>
     <p:extLst>
       <p:ext uri="{BB962C8B-B14F-4D97-AF65-F5344CB8AC3E}">
-        <p14:creationId xmlns:p14="http://schemas.microsoft.com/office/powerpoint/2010/main" val="2976862164"/>
+        <p14:creationId xmlns:p14="http://schemas.microsoft.com/office/powerpoint/2010/main" val="4106673420"/>
       </p:ext>
     </p:extLst>
   </p:cSld>
@@ -2470,7 +2470,7 @@
           <p:cNvPr id="2" name="标题 1">
             <a:extLst>
               <a:ext uri="{FF2B5EF4-FFF2-40B4-BE49-F238E27FC236}">
-                <a16:creationId xmlns:a16="http://schemas.microsoft.com/office/drawing/2014/main" id="{CDC9B09C-5C28-80D6-D04F-2136D7E92E61}"/>
+                <a16:creationId xmlns:a16="http://schemas.microsoft.com/office/drawing/2014/main" id="{C0BF7F01-8492-21FC-DC70-2C64107E8B3A}"/>
               </a:ext>
             </a:extLst>
           </p:cNvPr>
@@ -2507,7 +2507,7 @@
           <p:cNvPr id="3" name="图片占位符 2">
             <a:extLst>
               <a:ext uri="{FF2B5EF4-FFF2-40B4-BE49-F238E27FC236}">
-                <a16:creationId xmlns:a16="http://schemas.microsoft.com/office/drawing/2014/main" id="{AE7C58CA-6B7C-2A06-EFD7-00F024F91176}"/>
+                <a16:creationId xmlns:a16="http://schemas.microsoft.com/office/drawing/2014/main" id="{916A0B31-EDAE-2C8F-4BF3-0EC758351D0E}"/>
               </a:ext>
             </a:extLst>
           </p:cNvPr>
@@ -2574,7 +2574,7 @@
           <p:cNvPr id="4" name="文本占位符 3">
             <a:extLst>
               <a:ext uri="{FF2B5EF4-FFF2-40B4-BE49-F238E27FC236}">
-                <a16:creationId xmlns:a16="http://schemas.microsoft.com/office/drawing/2014/main" id="{43E05F2A-33DF-E484-2A9E-BEF017D829BD}"/>
+                <a16:creationId xmlns:a16="http://schemas.microsoft.com/office/drawing/2014/main" id="{F0BE772D-D375-4C19-82FF-42AF71497A72}"/>
               </a:ext>
             </a:extLst>
           </p:cNvPr>
@@ -2645,7 +2645,7 @@
           <p:cNvPr id="5" name="日期占位符 4">
             <a:extLst>
               <a:ext uri="{FF2B5EF4-FFF2-40B4-BE49-F238E27FC236}">
-                <a16:creationId xmlns:a16="http://schemas.microsoft.com/office/drawing/2014/main" id="{26A8A2D6-6FE6-96DE-6AE8-4F42D6428342}"/>
+                <a16:creationId xmlns:a16="http://schemas.microsoft.com/office/drawing/2014/main" id="{4DC9796F-2B8C-B5BC-AC50-4EC062D05A3C}"/>
               </a:ext>
             </a:extLst>
           </p:cNvPr>
@@ -2661,7 +2661,7 @@
           <a:bodyPr/>
           <a:lstStyle/>
           <a:p>
-            <a:fld id="{C7AD48D4-E681-4E93-907C-4EB4557D9B1B}" type="datetimeFigureOut">
+            <a:fld id="{488B143A-4378-40C0-A12B-31E6ADE8AB9F}" type="datetimeFigureOut">
               <a:rPr lang="zh-CN" altLang="en-US" smtClean="0"/>
               <a:t>2024/3/10</a:t>
             </a:fld>
@@ -2674,7 +2674,7 @@
           <p:cNvPr id="6" name="页脚占位符 5">
             <a:extLst>
               <a:ext uri="{FF2B5EF4-FFF2-40B4-BE49-F238E27FC236}">
-                <a16:creationId xmlns:a16="http://schemas.microsoft.com/office/drawing/2014/main" id="{AB6BDF6F-99CA-612F-FF17-EE6FB63CF478}"/>
+                <a16:creationId xmlns:a16="http://schemas.microsoft.com/office/drawing/2014/main" id="{A106E163-DF88-E330-E521-033EAF70D8C6}"/>
               </a:ext>
             </a:extLst>
           </p:cNvPr>
@@ -2699,7 +2699,7 @@
           <p:cNvPr id="7" name="灯片编号占位符 6">
             <a:extLst>
               <a:ext uri="{FF2B5EF4-FFF2-40B4-BE49-F238E27FC236}">
-                <a16:creationId xmlns:a16="http://schemas.microsoft.com/office/drawing/2014/main" id="{50DFBFD6-B23D-2A9C-1165-6A0F0B3B9224}"/>
+                <a16:creationId xmlns:a16="http://schemas.microsoft.com/office/drawing/2014/main" id="{D91AB298-6571-E28E-8EBA-D12881255142}"/>
               </a:ext>
             </a:extLst>
           </p:cNvPr>
@@ -2715,7 +2715,7 @@
           <a:bodyPr/>
           <a:lstStyle/>
           <a:p>
-            <a:fld id="{20EF9275-8417-425B-ADAA-D0F1C77D1E34}" type="slidenum">
+            <a:fld id="{ACB7D5D0-DE90-4577-9D75-BA0AABB031C1}" type="slidenum">
               <a:rPr lang="zh-CN" altLang="en-US" smtClean="0"/>
               <a:t>‹#›</a:t>
             </a:fld>
@@ -2726,7 +2726,7 @@
     </p:spTree>
     <p:extLst>
       <p:ext uri="{BB962C8B-B14F-4D97-AF65-F5344CB8AC3E}">
-        <p14:creationId xmlns:p14="http://schemas.microsoft.com/office/powerpoint/2010/main" val="1135523379"/>
+        <p14:creationId xmlns:p14="http://schemas.microsoft.com/office/powerpoint/2010/main" val="3369162473"/>
       </p:ext>
     </p:extLst>
   </p:cSld>
@@ -2763,7 +2763,7 @@
           <p:cNvPr id="2" name="标题占位符 1">
             <a:extLst>
               <a:ext uri="{FF2B5EF4-FFF2-40B4-BE49-F238E27FC236}">
-                <a16:creationId xmlns:a16="http://schemas.microsoft.com/office/drawing/2014/main" id="{67040F31-EAEE-FA85-4621-CF1F72519275}"/>
+                <a16:creationId xmlns:a16="http://schemas.microsoft.com/office/drawing/2014/main" id="{D988C75D-B951-F59A-9DA3-E59031810F02}"/>
               </a:ext>
             </a:extLst>
           </p:cNvPr>
@@ -2801,7 +2801,7 @@
           <p:cNvPr id="3" name="文本占位符 2">
             <a:extLst>
               <a:ext uri="{FF2B5EF4-FFF2-40B4-BE49-F238E27FC236}">
-                <a16:creationId xmlns:a16="http://schemas.microsoft.com/office/drawing/2014/main" id="{D4714809-3901-0211-AC8D-10B5491B79CF}"/>
+                <a16:creationId xmlns:a16="http://schemas.microsoft.com/office/drawing/2014/main" id="{4EA8A837-1713-B96F-1F58-A008C2F6BCEB}"/>
               </a:ext>
             </a:extLst>
           </p:cNvPr>
@@ -2868,7 +2868,7 @@
           <p:cNvPr id="4" name="日期占位符 3">
             <a:extLst>
               <a:ext uri="{FF2B5EF4-FFF2-40B4-BE49-F238E27FC236}">
-                <a16:creationId xmlns:a16="http://schemas.microsoft.com/office/drawing/2014/main" id="{8054725D-9B6A-3110-3782-326629C9BA2D}"/>
+                <a16:creationId xmlns:a16="http://schemas.microsoft.com/office/drawing/2014/main" id="{97E015B6-1644-14EE-EE1F-DB764FE31287}"/>
               </a:ext>
             </a:extLst>
           </p:cNvPr>
@@ -2902,7 +2902,7 @@
             </a:lvl1pPr>
           </a:lstStyle>
           <a:p>
-            <a:fld id="{C7AD48D4-E681-4E93-907C-4EB4557D9B1B}" type="datetimeFigureOut">
+            <a:fld id="{488B143A-4378-40C0-A12B-31E6ADE8AB9F}" type="datetimeFigureOut">
               <a:rPr lang="zh-CN" altLang="en-US" smtClean="0"/>
               <a:t>2024/3/10</a:t>
             </a:fld>
@@ -2915,7 +2915,7 @@
           <p:cNvPr id="5" name="页脚占位符 4">
             <a:extLst>
               <a:ext uri="{FF2B5EF4-FFF2-40B4-BE49-F238E27FC236}">
-                <a16:creationId xmlns:a16="http://schemas.microsoft.com/office/drawing/2014/main" id="{10F74FFF-6C97-2D2E-6A04-AA540CEEE9FE}"/>
+                <a16:creationId xmlns:a16="http://schemas.microsoft.com/office/drawing/2014/main" id="{CEF94248-C169-5FA0-A6AD-7F82ABF0D312}"/>
               </a:ext>
             </a:extLst>
           </p:cNvPr>
@@ -2958,7 +2958,7 @@
           <p:cNvPr id="6" name="灯片编号占位符 5">
             <a:extLst>
               <a:ext uri="{FF2B5EF4-FFF2-40B4-BE49-F238E27FC236}">
-                <a16:creationId xmlns:a16="http://schemas.microsoft.com/office/drawing/2014/main" id="{05BC00F3-F584-B4A9-8016-C744812CC1CF}"/>
+                <a16:creationId xmlns:a16="http://schemas.microsoft.com/office/drawing/2014/main" id="{613FC839-FCB7-B250-E5FC-D30CC4CCAF56}"/>
               </a:ext>
             </a:extLst>
           </p:cNvPr>
@@ -2992,7 +2992,7 @@
             </a:lvl1pPr>
           </a:lstStyle>
           <a:p>
-            <a:fld id="{20EF9275-8417-425B-ADAA-D0F1C77D1E34}" type="slidenum">
+            <a:fld id="{ACB7D5D0-DE90-4577-9D75-BA0AABB031C1}" type="slidenum">
               <a:rPr lang="zh-CN" altLang="en-US" smtClean="0"/>
               <a:t>‹#›</a:t>
             </a:fld>
@@ -3003,7 +3003,7 @@
     </p:spTree>
     <p:extLst>
       <p:ext uri="{BB962C8B-B14F-4D97-AF65-F5344CB8AC3E}">
-        <p14:creationId xmlns:p14="http://schemas.microsoft.com/office/powerpoint/2010/main" val="3370100759"/>
+        <p14:creationId xmlns:p14="http://schemas.microsoft.com/office/powerpoint/2010/main" val="3333320606"/>
       </p:ext>
     </p:extLst>
   </p:cSld>
